--- a/donot_release/formation_montpellier/TP_formation_colib'read.pptx
+++ b/donot_release/formation_montpellier/TP_formation_colib'read.pptx
@@ -3752,7 +3752,7 @@
       </p:sp>
       <p:pic>
         <p:nvPicPr>
-          <p:cNvPr id="5" name="Image 4" descr="roc_human_c.png"/>
+          <p:cNvPr id="6" name="Image 5" descr="roc_human_c.png"/>
           <p:cNvPicPr>
             <a:picLocks noChangeAspect="1"/>
           </p:cNvPicPr>
@@ -3772,7 +3772,7 @@
         </p:blipFill>
         <p:spPr>
           <a:xfrm>
-            <a:off x="1726359" y="381552"/>
+            <a:off x="1828800" y="533400"/>
             <a:ext cx="7315200" cy="5943600"/>
           </a:xfrm>
           <a:prstGeom prst="rect">
@@ -3835,7 +3835,7 @@
       </p:sp>
       <p:pic>
         <p:nvPicPr>
-          <p:cNvPr id="5" name="Image 4" descr="roc_human_k.png"/>
+          <p:cNvPr id="6" name="Image 5" descr="roc_human_k.png"/>
           <p:cNvPicPr>
             <a:picLocks noChangeAspect="1"/>
           </p:cNvPicPr>
@@ -3855,7 +3855,7 @@
         </p:blipFill>
         <p:spPr>
           <a:xfrm>
-            <a:off x="1531400" y="533400"/>
+            <a:off x="1769518" y="619659"/>
             <a:ext cx="7315200" cy="5943600"/>
           </a:xfrm>
           <a:prstGeom prst="rect">

--- a/donot_release/formation_montpellier/TP_formation_colib'read.pptx
+++ b/donot_release/formation_montpellier/TP_formation_colib'read.pptx
@@ -3428,7 +3428,7 @@
             </a:r>
             <a:r>
               <a:rPr lang="fr-FR" dirty="0" smtClean="0"/>
-              <a:t>++</a:t>
+              <a:t>++     TP</a:t>
             </a:r>
             <a:endParaRPr lang="fr-FR" dirty="0"/>
           </a:p>

--- a/donot_release/formation_montpellier/TP_formation_colib'read.pptx
+++ b/donot_release/formation_montpellier/TP_formation_colib'read.pptx
@@ -14,15 +14,16 @@
     <p:sldId id="264" r:id="rId8"/>
     <p:sldId id="265" r:id="rId9"/>
     <p:sldId id="266" r:id="rId10"/>
-    <p:sldId id="257" r:id="rId11"/>
-    <p:sldId id="258" r:id="rId12"/>
-    <p:sldId id="273" r:id="rId13"/>
-    <p:sldId id="267" r:id="rId14"/>
-    <p:sldId id="268" r:id="rId15"/>
-    <p:sldId id="269" r:id="rId16"/>
-    <p:sldId id="270" r:id="rId17"/>
-    <p:sldId id="271" r:id="rId18"/>
-    <p:sldId id="272" r:id="rId19"/>
+    <p:sldId id="274" r:id="rId11"/>
+    <p:sldId id="257" r:id="rId12"/>
+    <p:sldId id="258" r:id="rId13"/>
+    <p:sldId id="273" r:id="rId14"/>
+    <p:sldId id="267" r:id="rId15"/>
+    <p:sldId id="268" r:id="rId16"/>
+    <p:sldId id="269" r:id="rId17"/>
+    <p:sldId id="270" r:id="rId18"/>
+    <p:sldId id="271" r:id="rId19"/>
+    <p:sldId id="272" r:id="rId20"/>
   </p:sldIdLst>
   <p:sldSz cx="9144000" cy="6858000" type="screen4x3"/>
   <p:notesSz cx="6858000" cy="9144000"/>
@@ -312,7 +313,7 @@
           <a:p>
             <a:fld id="{3A9DA1CA-5599-4D4C-83BA-09CC98C653EA}" type="datetimeFigureOut">
               <a:rPr lang="fr-FR" smtClean="0"/>
-              <a:t>20/03/15</a:t>
+              <a:t>25/03/15</a:t>
             </a:fld>
             <a:endParaRPr lang="fr-FR"/>
           </a:p>
@@ -512,7 +513,7 @@
           <a:p>
             <a:fld id="{3A9DA1CA-5599-4D4C-83BA-09CC98C653EA}" type="datetimeFigureOut">
               <a:rPr lang="fr-FR" smtClean="0"/>
-              <a:t>20/03/15</a:t>
+              <a:t>25/03/15</a:t>
             </a:fld>
             <a:endParaRPr lang="fr-FR"/>
           </a:p>
@@ -687,7 +688,7 @@
           <a:p>
             <a:fld id="{3A9DA1CA-5599-4D4C-83BA-09CC98C653EA}" type="datetimeFigureOut">
               <a:rPr lang="fr-FR" smtClean="0"/>
-              <a:t>20/03/15</a:t>
+              <a:t>25/03/15</a:t>
             </a:fld>
             <a:endParaRPr lang="fr-FR"/>
           </a:p>
@@ -852,7 +853,7 @@
           <a:p>
             <a:fld id="{3A9DA1CA-5599-4D4C-83BA-09CC98C653EA}" type="datetimeFigureOut">
               <a:rPr lang="fr-FR" smtClean="0"/>
-              <a:t>20/03/15</a:t>
+              <a:t>25/03/15</a:t>
             </a:fld>
             <a:endParaRPr lang="fr-FR"/>
           </a:p>
@@ -1100,7 +1101,7 @@
           <a:p>
             <a:fld id="{3A9DA1CA-5599-4D4C-83BA-09CC98C653EA}" type="datetimeFigureOut">
               <a:rPr lang="fr-FR" smtClean="0"/>
-              <a:t>20/03/15</a:t>
+              <a:t>25/03/15</a:t>
             </a:fld>
             <a:endParaRPr lang="fr-FR"/>
           </a:p>
@@ -1418,7 +1419,7 @@
           <a:p>
             <a:fld id="{3A9DA1CA-5599-4D4C-83BA-09CC98C653EA}" type="datetimeFigureOut">
               <a:rPr lang="fr-FR" smtClean="0"/>
-              <a:t>20/03/15</a:t>
+              <a:t>25/03/15</a:t>
             </a:fld>
             <a:endParaRPr lang="fr-FR"/>
           </a:p>
@@ -1884,7 +1885,7 @@
           <a:p>
             <a:fld id="{3A9DA1CA-5599-4D4C-83BA-09CC98C653EA}" type="datetimeFigureOut">
               <a:rPr lang="fr-FR" smtClean="0"/>
-              <a:t>20/03/15</a:t>
+              <a:t>25/03/15</a:t>
             </a:fld>
             <a:endParaRPr lang="fr-FR"/>
           </a:p>
@@ -2032,7 +2033,7 @@
           <a:p>
             <a:fld id="{3A9DA1CA-5599-4D4C-83BA-09CC98C653EA}" type="datetimeFigureOut">
               <a:rPr lang="fr-FR" smtClean="0"/>
-              <a:t>20/03/15</a:t>
+              <a:t>25/03/15</a:t>
             </a:fld>
             <a:endParaRPr lang="fr-FR"/>
           </a:p>
@@ -2122,7 +2123,7 @@
           <a:p>
             <a:fld id="{3A9DA1CA-5599-4D4C-83BA-09CC98C653EA}" type="datetimeFigureOut">
               <a:rPr lang="fr-FR" smtClean="0"/>
-              <a:t>20/03/15</a:t>
+              <a:t>25/03/15</a:t>
             </a:fld>
             <a:endParaRPr lang="fr-FR"/>
           </a:p>
@@ -2396,7 +2397,7 @@
           <a:p>
             <a:fld id="{3A9DA1CA-5599-4D4C-83BA-09CC98C653EA}" type="datetimeFigureOut">
               <a:rPr lang="fr-FR" smtClean="0"/>
-              <a:t>20/03/15</a:t>
+              <a:t>25/03/15</a:t>
             </a:fld>
             <a:endParaRPr lang="fr-FR"/>
           </a:p>
@@ -2701,7 +2702,7 @@
           <a:p>
             <a:fld id="{3A9DA1CA-5599-4D4C-83BA-09CC98C653EA}" type="datetimeFigureOut">
               <a:rPr lang="fr-FR" smtClean="0"/>
-              <a:t>20/03/15</a:t>
+              <a:t>25/03/15</a:t>
             </a:fld>
             <a:endParaRPr lang="fr-FR"/>
           </a:p>
@@ -2999,7 +3000,7 @@
           <a:p>
             <a:fld id="{3A9DA1CA-5599-4D4C-83BA-09CC98C653EA}" type="datetimeFigureOut">
               <a:rPr lang="fr-FR" smtClean="0"/>
-              <a:t>20/03/15</a:t>
+              <a:t>25/03/15</a:t>
             </a:fld>
             <a:endParaRPr lang="fr-FR"/>
           </a:p>
@@ -3480,6 +3481,13 @@
   <p:clrMapOvr>
     <a:masterClrMapping/>
   </p:clrMapOvr>
+  <p:timing>
+    <p:tnLst>
+      <p:par>
+        <p:cTn xmlns:p14="http://schemas.microsoft.com/office/powerpoint/2010/main" id="1" dur="indefinite" restart="never" nodeType="tmRoot"/>
+      </p:par>
+    </p:tnLst>
+  </p:timing>
 </p:sld>
 </file>
 
@@ -3516,8 +3524,206 @@
           <a:lstStyle/>
           <a:p>
             <a:r>
-              <a:rPr lang="fr-FR" dirty="0" smtClean="0"/>
-              <a:t>Q15</a:t>
+              <a:rPr lang="en-US" dirty="0" smtClean="0"/>
+              <a:t>Q16</a:t>
+            </a:r>
+            <a:endParaRPr lang="en-US" dirty="0"/>
+          </a:p>
+        </p:txBody>
+      </p:sp>
+      <p:sp>
+        <p:nvSpPr>
+          <p:cNvPr id="4" name="ZoneTexte 3"/>
+          <p:cNvSpPr txBox="1"/>
+          <p:nvPr/>
+        </p:nvSpPr>
+        <p:spPr>
+          <a:xfrm>
+            <a:off x="277805" y="1524000"/>
+            <a:ext cx="8552424" cy="2677656"/>
+          </a:xfrm>
+          <a:prstGeom prst="rect">
+            <a:avLst/>
+          </a:prstGeom>
+          <a:noFill/>
+        </p:spPr>
+        <p:txBody>
+          <a:bodyPr wrap="square" rtlCol="0">
+            <a:spAutoFit/>
+          </a:bodyPr>
+          <a:lstStyle/>
+          <a:p>
+            <a:r>
+              <a:rPr lang="en-US" sz="1200" dirty="0"/>
+              <a:t>-------------------------------</a:t>
+            </a:r>
+          </a:p>
+          <a:p>
+            <a:r>
+              <a:rPr lang="en-US" sz="1200" dirty="0"/>
+              <a:t>              SNP</a:t>
+            </a:r>
+          </a:p>
+          <a:p>
+            <a:r>
+              <a:rPr lang="en-US" sz="1200" dirty="0"/>
+              <a:t>7372 SNP in the reference.       Among them 5420 are correctly predicted</a:t>
+            </a:r>
+          </a:p>
+          <a:p>
+            <a:r>
+              <a:rPr lang="en-US" sz="1200" dirty="0"/>
+              <a:t>6441 SNP were predicted.         Among them 5420 are correctly mapped</a:t>
+            </a:r>
+          </a:p>
+          <a:p>
+            <a:r>
+              <a:rPr lang="en-US" sz="1200" dirty="0"/>
+              <a:t>SNP precision    84.15</a:t>
+            </a:r>
+          </a:p>
+          <a:p>
+            <a:r>
+              <a:rPr lang="en-US" sz="1200" dirty="0"/>
+              <a:t>SNP recall       73.52</a:t>
+            </a:r>
+          </a:p>
+          <a:p>
+            <a:r>
+              <a:rPr lang="en-US" sz="1200" dirty="0"/>
+              <a:t>-------------------------------</a:t>
+            </a:r>
+          </a:p>
+          <a:p>
+            <a:r>
+              <a:rPr lang="en-US" sz="1200" dirty="0"/>
+              <a:t>-------------------------------</a:t>
+            </a:r>
+          </a:p>
+          <a:p>
+            <a:r>
+              <a:rPr lang="en-US" sz="1200" dirty="0"/>
+              <a:t>              INDEL</a:t>
+            </a:r>
+          </a:p>
+          <a:p>
+            <a:r>
+              <a:rPr lang="en-US" sz="1200" dirty="0"/>
+              <a:t>550 INDEL in the reference.      Among them 344 are correctly predicted</a:t>
+            </a:r>
+          </a:p>
+          <a:p>
+            <a:r>
+              <a:rPr lang="en-US" sz="1200" dirty="0"/>
+              <a:t>430 INDEL were predicted.        Among them 344 are correctly mapped</a:t>
+            </a:r>
+          </a:p>
+          <a:p>
+            <a:r>
+              <a:rPr lang="en-US" sz="1200" dirty="0"/>
+              <a:t>INDEL precision  80.00</a:t>
+            </a:r>
+          </a:p>
+          <a:p>
+            <a:r>
+              <a:rPr lang="en-US" sz="1200" dirty="0"/>
+              <a:t>INDEL recall     62.55</a:t>
+            </a:r>
+          </a:p>
+          <a:p>
+            <a:r>
+              <a:rPr lang="en-US" sz="1200" dirty="0"/>
+              <a:t>-------------------------------</a:t>
+            </a:r>
+            <a:endParaRPr lang="en-US" sz="1200" dirty="0"/>
+          </a:p>
+        </p:txBody>
+      </p:sp>
+      <p:pic>
+        <p:nvPicPr>
+          <p:cNvPr id="5" name="Image 4" descr="discoRes_k_31_c_4_D_10_P_2_b_0_withlow_coherent.png"/>
+          <p:cNvPicPr>
+            <a:picLocks noChangeAspect="1"/>
+          </p:cNvPicPr>
+          <p:nvPr/>
+        </p:nvPicPr>
+        <p:blipFill>
+          <a:blip r:embed="rId2">
+            <a:extLst>
+              <a:ext uri="{28A0092B-C50C-407E-A947-70E740481C1C}">
+                <a14:useLocalDpi xmlns:a14="http://schemas.microsoft.com/office/drawing/2010/main" val="0"/>
+              </a:ext>
+            </a:extLst>
+          </a:blip>
+          <a:stretch>
+            <a:fillRect/>
+          </a:stretch>
+        </p:blipFill>
+        <p:spPr>
+          <a:xfrm>
+            <a:off x="2341107" y="1021879"/>
+            <a:ext cx="6489121" cy="5272411"/>
+          </a:xfrm>
+          <a:prstGeom prst="rect">
+            <a:avLst/>
+          </a:prstGeom>
+        </p:spPr>
+      </p:pic>
+    </p:spTree>
+    <p:extLst>
+      <p:ext uri="{BB962C8B-B14F-4D97-AF65-F5344CB8AC3E}">
+        <p14:creationId xmlns:p14="http://schemas.microsoft.com/office/powerpoint/2010/main" val="540709133"/>
+      </p:ext>
+    </p:extLst>
+  </p:cSld>
+  <p:clrMapOvr>
+    <a:masterClrMapping/>
+  </p:clrMapOvr>
+  <p:timing>
+    <p:tnLst>
+      <p:par>
+        <p:cTn xmlns:p14="http://schemas.microsoft.com/office/powerpoint/2010/main" id="1" dur="indefinite" restart="never" nodeType="tmRoot"/>
+      </p:par>
+    </p:tnLst>
+  </p:timing>
+</p:sld>
+</file>
+
+<file path=ppt/slides/slide11.xml><?xml version="1.0" encoding="utf-8"?>
+<p:sld xmlns:a="http://schemas.openxmlformats.org/drawingml/2006/main" xmlns:r="http://schemas.openxmlformats.org/officeDocument/2006/relationships" xmlns:p="http://schemas.openxmlformats.org/presentationml/2006/main">
+  <p:cSld>
+    <p:spTree>
+      <p:nvGrpSpPr>
+        <p:cNvPr id="1" name=""/>
+        <p:cNvGrpSpPr/>
+        <p:nvPr/>
+      </p:nvGrpSpPr>
+      <p:grpSpPr>
+        <a:xfrm>
+          <a:off x="0" y="0"/>
+          <a:ext cx="0" cy="0"/>
+          <a:chOff x="0" y="0"/>
+          <a:chExt cx="0" cy="0"/>
+        </a:xfrm>
+      </p:grpSpPr>
+      <p:sp>
+        <p:nvSpPr>
+          <p:cNvPr id="2" name="Titre 1"/>
+          <p:cNvSpPr>
+            <a:spLocks noGrp="1"/>
+          </p:cNvSpPr>
+          <p:nvPr>
+            <p:ph type="title"/>
+          </p:nvPr>
+        </p:nvSpPr>
+        <p:spPr/>
+        <p:txBody>
+          <a:bodyPr/>
+          <a:lstStyle/>
+          <a:p>
+            <a:r>
+              <a:rPr lang="fr-FR" dirty="0" smtClean="0"/>
+              <a:t>Q17</a:t>
             </a:r>
             <a:endParaRPr lang="fr-FR" dirty="0"/>
           </a:p>
@@ -3563,150 +3769,13 @@
   <p:clrMapOvr>
     <a:masterClrMapping/>
   </p:clrMapOvr>
-</p:sld>
-</file>
-
-<file path=ppt/slides/slide11.xml><?xml version="1.0" encoding="utf-8"?>
-<p:sld xmlns:a="http://schemas.openxmlformats.org/drawingml/2006/main" xmlns:r="http://schemas.openxmlformats.org/officeDocument/2006/relationships" xmlns:p="http://schemas.openxmlformats.org/presentationml/2006/main">
-  <p:cSld>
-    <p:spTree>
-      <p:nvGrpSpPr>
-        <p:cNvPr id="1" name=""/>
-        <p:cNvGrpSpPr/>
-        <p:nvPr/>
-      </p:nvGrpSpPr>
-      <p:grpSpPr>
-        <a:xfrm>
-          <a:off x="0" y="0"/>
-          <a:ext cx="0" cy="0"/>
-          <a:chOff x="0" y="0"/>
-          <a:chExt cx="0" cy="0"/>
-        </a:xfrm>
-      </p:grpSpPr>
-      <p:sp>
-        <p:nvSpPr>
-          <p:cNvPr id="2" name="Titre 1"/>
-          <p:cNvSpPr>
-            <a:spLocks noGrp="1"/>
-          </p:cNvSpPr>
-          <p:nvPr>
-            <p:ph type="title"/>
-          </p:nvPr>
-        </p:nvSpPr>
-        <p:spPr/>
-        <p:txBody>
-          <a:bodyPr/>
-          <a:lstStyle/>
-          <a:p>
-            <a:r>
-              <a:rPr lang="fr-FR" dirty="0" smtClean="0"/>
-              <a:t>Q17-19</a:t>
-            </a:r>
-            <a:endParaRPr lang="fr-FR" dirty="0"/>
-          </a:p>
-        </p:txBody>
-      </p:sp>
-      <p:sp>
-        <p:nvSpPr>
-          <p:cNvPr id="3" name="Espace réservé du contenu 2"/>
-          <p:cNvSpPr>
-            <a:spLocks noGrp="1"/>
-          </p:cNvSpPr>
-          <p:nvPr>
-            <p:ph idx="1"/>
-          </p:nvPr>
-        </p:nvSpPr>
-        <p:spPr/>
-        <p:txBody>
-          <a:bodyPr/>
-          <a:lstStyle/>
-          <a:p>
-            <a:r>
-              <a:rPr lang="fr-FR" dirty="0"/>
-              <a:t>c</a:t>
-            </a:r>
-            <a:r>
-              <a:rPr lang="fr-FR" dirty="0" smtClean="0"/>
-              <a:t> = 2, 4, 10:</a:t>
-            </a:r>
-          </a:p>
-          <a:p>
-            <a:pPr lvl="1"/>
-            <a:r>
-              <a:rPr lang="fr-FR" dirty="0" err="1" smtClean="0"/>
-              <a:t>Prec</a:t>
-            </a:r>
-            <a:r>
-              <a:rPr lang="fr-FR" dirty="0" smtClean="0"/>
-              <a:t> = 39%, 92%, 80%</a:t>
-            </a:r>
-          </a:p>
-          <a:p>
-            <a:pPr lvl="1"/>
-            <a:r>
-              <a:rPr lang="fr-FR" dirty="0" err="1" smtClean="0"/>
-              <a:t>Recall</a:t>
-            </a:r>
-            <a:r>
-              <a:rPr lang="fr-FR" dirty="0" smtClean="0"/>
-              <a:t> = 36%, 65%, 22%</a:t>
-            </a:r>
-          </a:p>
-          <a:p>
-            <a:pPr lvl="1"/>
-            <a:endParaRPr lang="fr-FR" dirty="0"/>
-          </a:p>
-          <a:p>
-            <a:r>
-              <a:rPr lang="fr-FR" dirty="0"/>
-              <a:t>k</a:t>
-            </a:r>
-            <a:r>
-              <a:rPr lang="fr-FR" dirty="0" smtClean="0"/>
-              <a:t> = 11, 31, 61</a:t>
-            </a:r>
-          </a:p>
-          <a:p>
-            <a:pPr lvl="1"/>
-            <a:r>
-              <a:rPr lang="fr-FR" dirty="0" err="1" smtClean="0"/>
-              <a:t>Prec</a:t>
-            </a:r>
-            <a:r>
-              <a:rPr lang="fr-FR" dirty="0" smtClean="0"/>
-              <a:t> = ---, 92%, 73%</a:t>
-            </a:r>
-          </a:p>
-          <a:p>
-            <a:pPr lvl="1"/>
-            <a:r>
-              <a:rPr lang="fr-FR" dirty="0" err="1" smtClean="0"/>
-              <a:t>Recall</a:t>
-            </a:r>
-            <a:r>
-              <a:rPr lang="fr-FR" dirty="0" smtClean="0"/>
-              <a:t> = 0%, 65%, 9% </a:t>
-            </a:r>
-          </a:p>
-          <a:p>
-            <a:endParaRPr lang="fr-FR" dirty="0" smtClean="0"/>
-          </a:p>
-          <a:p>
-            <a:pPr lvl="1"/>
-            <a:endParaRPr lang="fr-FR" dirty="0"/>
-          </a:p>
-        </p:txBody>
-      </p:sp>
-    </p:spTree>
-    <p:extLst>
-      <p:ext uri="{BB962C8B-B14F-4D97-AF65-F5344CB8AC3E}">
-        <p14:creationId xmlns:p14="http://schemas.microsoft.com/office/powerpoint/2010/main" val="4102947519"/>
-      </p:ext>
-    </p:extLst>
-  </p:cSld>
-  <p:clrMapOvr>
-    <a:masterClrMapping/>
-  </p:clrMapOvr>
+  <p:timing>
+    <p:tnLst>
+      <p:par>
+        <p:cTn xmlns:p14="http://schemas.microsoft.com/office/powerpoint/2010/main" id="1" dur="indefinite" restart="never" nodeType="tmRoot"/>
+      </p:par>
+    </p:tnLst>
+  </p:timing>
 </p:sld>
 </file>
 
@@ -3744,7 +3813,158 @@
           <a:p>
             <a:r>
               <a:rPr lang="fr-FR" dirty="0" smtClean="0"/>
-              <a:t>Q17</a:t>
+              <a:t>Q19-21</a:t>
+            </a:r>
+            <a:endParaRPr lang="fr-FR" dirty="0"/>
+          </a:p>
+        </p:txBody>
+      </p:sp>
+      <p:sp>
+        <p:nvSpPr>
+          <p:cNvPr id="3" name="Espace réservé du contenu 2"/>
+          <p:cNvSpPr>
+            <a:spLocks noGrp="1"/>
+          </p:cNvSpPr>
+          <p:nvPr>
+            <p:ph idx="1"/>
+          </p:nvPr>
+        </p:nvSpPr>
+        <p:spPr/>
+        <p:txBody>
+          <a:bodyPr/>
+          <a:lstStyle/>
+          <a:p>
+            <a:r>
+              <a:rPr lang="fr-FR" dirty="0"/>
+              <a:t>c</a:t>
+            </a:r>
+            <a:r>
+              <a:rPr lang="fr-FR" dirty="0" smtClean="0"/>
+              <a:t> = 2, 4, 10:</a:t>
+            </a:r>
+          </a:p>
+          <a:p>
+            <a:pPr lvl="1"/>
+            <a:r>
+              <a:rPr lang="fr-FR" dirty="0" err="1" smtClean="0"/>
+              <a:t>Prec</a:t>
+            </a:r>
+            <a:r>
+              <a:rPr lang="fr-FR" dirty="0" smtClean="0"/>
+              <a:t> = 39%, 92%, 80%</a:t>
+            </a:r>
+          </a:p>
+          <a:p>
+            <a:pPr lvl="1"/>
+            <a:r>
+              <a:rPr lang="fr-FR" dirty="0" err="1" smtClean="0"/>
+              <a:t>Recall</a:t>
+            </a:r>
+            <a:r>
+              <a:rPr lang="fr-FR" dirty="0" smtClean="0"/>
+              <a:t> = 36%, 65%, 22%</a:t>
+            </a:r>
+          </a:p>
+          <a:p>
+            <a:pPr lvl="1"/>
+            <a:endParaRPr lang="fr-FR" dirty="0"/>
+          </a:p>
+          <a:p>
+            <a:r>
+              <a:rPr lang="fr-FR" dirty="0"/>
+              <a:t>k</a:t>
+            </a:r>
+            <a:r>
+              <a:rPr lang="fr-FR" dirty="0" smtClean="0"/>
+              <a:t> = 11, 31, 61</a:t>
+            </a:r>
+          </a:p>
+          <a:p>
+            <a:pPr lvl="1"/>
+            <a:r>
+              <a:rPr lang="fr-FR" dirty="0" err="1" smtClean="0"/>
+              <a:t>Prec</a:t>
+            </a:r>
+            <a:r>
+              <a:rPr lang="fr-FR" dirty="0" smtClean="0"/>
+              <a:t> = ---, 92%, 73%</a:t>
+            </a:r>
+          </a:p>
+          <a:p>
+            <a:pPr lvl="1"/>
+            <a:r>
+              <a:rPr lang="fr-FR" dirty="0" err="1" smtClean="0"/>
+              <a:t>Recall</a:t>
+            </a:r>
+            <a:r>
+              <a:rPr lang="fr-FR" dirty="0" smtClean="0"/>
+              <a:t> = 0%, 65%, 9% </a:t>
+            </a:r>
+          </a:p>
+          <a:p>
+            <a:endParaRPr lang="fr-FR" dirty="0" smtClean="0"/>
+          </a:p>
+          <a:p>
+            <a:pPr lvl="1"/>
+            <a:endParaRPr lang="fr-FR" dirty="0"/>
+          </a:p>
+        </p:txBody>
+      </p:sp>
+    </p:spTree>
+    <p:extLst>
+      <p:ext uri="{BB962C8B-B14F-4D97-AF65-F5344CB8AC3E}">
+        <p14:creationId xmlns:p14="http://schemas.microsoft.com/office/powerpoint/2010/main" val="4102947519"/>
+      </p:ext>
+    </p:extLst>
+  </p:cSld>
+  <p:clrMapOvr>
+    <a:masterClrMapping/>
+  </p:clrMapOvr>
+  <p:timing>
+    <p:tnLst>
+      <p:par>
+        <p:cTn xmlns:p14="http://schemas.microsoft.com/office/powerpoint/2010/main" id="1" dur="indefinite" restart="never" nodeType="tmRoot"/>
+      </p:par>
+    </p:tnLst>
+  </p:timing>
+</p:sld>
+</file>
+
+<file path=ppt/slides/slide13.xml><?xml version="1.0" encoding="utf-8"?>
+<p:sld xmlns:a="http://schemas.openxmlformats.org/drawingml/2006/main" xmlns:r="http://schemas.openxmlformats.org/officeDocument/2006/relationships" xmlns:p="http://schemas.openxmlformats.org/presentationml/2006/main">
+  <p:cSld>
+    <p:spTree>
+      <p:nvGrpSpPr>
+        <p:cNvPr id="1" name=""/>
+        <p:cNvGrpSpPr/>
+        <p:nvPr/>
+      </p:nvGrpSpPr>
+      <p:grpSpPr>
+        <a:xfrm>
+          <a:off x="0" y="0"/>
+          <a:ext cx="0" cy="0"/>
+          <a:chOff x="0" y="0"/>
+          <a:chExt cx="0" cy="0"/>
+        </a:xfrm>
+      </p:grpSpPr>
+      <p:sp>
+        <p:nvSpPr>
+          <p:cNvPr id="2" name="Titre 1"/>
+          <p:cNvSpPr>
+            <a:spLocks noGrp="1"/>
+          </p:cNvSpPr>
+          <p:nvPr>
+            <p:ph type="title"/>
+          </p:nvPr>
+        </p:nvSpPr>
+        <p:spPr/>
+        <p:txBody>
+          <a:bodyPr/>
+          <a:lstStyle/>
+          <a:p>
+            <a:r>
+              <a:rPr lang="fr-FR" dirty="0" smtClean="0"/>
+              <a:t>Q19</a:t>
             </a:r>
             <a:endParaRPr lang="fr-FR" dirty="0"/>
           </a:p>
@@ -3790,10 +4010,17 @@
   <p:clrMapOvr>
     <a:masterClrMapping/>
   </p:clrMapOvr>
+  <p:timing>
+    <p:tnLst>
+      <p:par>
+        <p:cTn xmlns:p14="http://schemas.microsoft.com/office/powerpoint/2010/main" id="1" dur="indefinite" restart="never" nodeType="tmRoot"/>
+      </p:par>
+    </p:tnLst>
+  </p:timing>
 </p:sld>
 </file>
 
-<file path=ppt/slides/slide13.xml><?xml version="1.0" encoding="utf-8"?>
+<file path=ppt/slides/slide14.xml><?xml version="1.0" encoding="utf-8"?>
 <p:sld xmlns:a="http://schemas.openxmlformats.org/drawingml/2006/main" xmlns:r="http://schemas.openxmlformats.org/officeDocument/2006/relationships" xmlns:p="http://schemas.openxmlformats.org/presentationml/2006/main">
   <p:cSld>
     <p:spTree>
@@ -3827,7 +4054,7 @@
           <a:p>
             <a:r>
               <a:rPr lang="fr-FR" dirty="0" smtClean="0"/>
-              <a:t>Q19</a:t>
+              <a:t>Q21</a:t>
             </a:r>
             <a:endParaRPr lang="fr-FR" dirty="0"/>
           </a:p>
@@ -3873,209 +4100,13 @@
   <p:clrMapOvr>
     <a:masterClrMapping/>
   </p:clrMapOvr>
-</p:sld>
-</file>
-
-<file path=ppt/slides/slide14.xml><?xml version="1.0" encoding="utf-8"?>
-<p:sld xmlns:a="http://schemas.openxmlformats.org/drawingml/2006/main" xmlns:r="http://schemas.openxmlformats.org/officeDocument/2006/relationships" xmlns:p="http://schemas.openxmlformats.org/presentationml/2006/main">
-  <p:cSld>
-    <p:spTree>
-      <p:nvGrpSpPr>
-        <p:cNvPr id="1" name=""/>
-        <p:cNvGrpSpPr/>
-        <p:nvPr/>
-      </p:nvGrpSpPr>
-      <p:grpSpPr>
-        <a:xfrm>
-          <a:off x="0" y="0"/>
-          <a:ext cx="0" cy="0"/>
-          <a:chOff x="0" y="0"/>
-          <a:chExt cx="0" cy="0"/>
-        </a:xfrm>
-      </p:grpSpPr>
-      <p:sp>
-        <p:nvSpPr>
-          <p:cNvPr id="2" name="Titre 1"/>
-          <p:cNvSpPr>
-            <a:spLocks noGrp="1"/>
-          </p:cNvSpPr>
-          <p:nvPr>
-            <p:ph type="title"/>
-          </p:nvPr>
-        </p:nvSpPr>
-        <p:spPr/>
-        <p:txBody>
-          <a:bodyPr/>
-          <a:lstStyle/>
-          <a:p>
-            <a:r>
-              <a:rPr lang="fr-FR" dirty="0" smtClean="0"/>
-              <a:t>Q20 &amp; 21</a:t>
-            </a:r>
-            <a:endParaRPr lang="fr-FR" dirty="0"/>
-          </a:p>
-        </p:txBody>
-      </p:sp>
-      <p:sp>
-        <p:nvSpPr>
-          <p:cNvPr id="3" name="Espace réservé du contenu 2"/>
-          <p:cNvSpPr>
-            <a:spLocks noGrp="1"/>
-          </p:cNvSpPr>
-          <p:nvPr>
-            <p:ph idx="1"/>
-          </p:nvPr>
-        </p:nvSpPr>
-        <p:spPr/>
-        <p:txBody>
-          <a:bodyPr/>
-          <a:lstStyle/>
-          <a:p>
-            <a:r>
-              <a:rPr lang="fr-FR" dirty="0" smtClean="0"/>
-              <a:t>-C </a:t>
-            </a:r>
-            <a:r>
-              <a:rPr lang="fr-FR" i="1" dirty="0" smtClean="0"/>
-              <a:t>n</a:t>
-            </a:r>
-            <a:r>
-              <a:rPr lang="fr-FR" dirty="0" smtClean="0"/>
-              <a:t>: élimine les </a:t>
-            </a:r>
-            <a:r>
-              <a:rPr lang="fr-FR" i="1" dirty="0" err="1" smtClean="0"/>
-              <a:t>k</a:t>
-            </a:r>
-            <a:r>
-              <a:rPr lang="fr-FR" dirty="0" err="1" smtClean="0"/>
-              <a:t>mers</a:t>
-            </a:r>
-            <a:r>
-              <a:rPr lang="fr-FR" dirty="0" smtClean="0"/>
-              <a:t> vus plus de </a:t>
-            </a:r>
-            <a:r>
-              <a:rPr lang="fr-FR" i="1" dirty="0" smtClean="0"/>
-              <a:t>n </a:t>
-            </a:r>
-            <a:r>
-              <a:rPr lang="fr-FR" dirty="0" smtClean="0"/>
-              <a:t>fois</a:t>
-            </a:r>
-          </a:p>
-          <a:p>
-            <a:r>
-              <a:rPr lang="fr-FR" dirty="0" smtClean="0"/>
-              <a:t>Sans –C 100:</a:t>
-            </a:r>
-          </a:p>
-          <a:p>
-            <a:pPr lvl="1"/>
-            <a:r>
-              <a:rPr lang="fr-FR" dirty="0" smtClean="0"/>
-              <a:t>Précision: </a:t>
-            </a:r>
-            <a:r>
-              <a:rPr lang="fr-FR" dirty="0"/>
-              <a:t>92.61</a:t>
-            </a:r>
-            <a:r>
-              <a:rPr lang="fr-FR" dirty="0" smtClean="0"/>
-              <a:t>%</a:t>
-            </a:r>
-          </a:p>
-          <a:p>
-            <a:pPr lvl="1"/>
-            <a:r>
-              <a:rPr lang="fr-FR" dirty="0" err="1" smtClean="0"/>
-              <a:t>Recall</a:t>
-            </a:r>
-            <a:r>
-              <a:rPr lang="fr-FR" dirty="0" smtClean="0"/>
-              <a:t>: </a:t>
-            </a:r>
-            <a:r>
-              <a:rPr lang="fr-FR" dirty="0"/>
-              <a:t>65.73</a:t>
-            </a:r>
-            <a:r>
-              <a:rPr lang="fr-FR" dirty="0" smtClean="0"/>
-              <a:t>%</a:t>
-            </a:r>
-            <a:endParaRPr lang="fr-FR" dirty="0"/>
-          </a:p>
-          <a:p>
-            <a:r>
-              <a:rPr lang="fr-FR" dirty="0" smtClean="0"/>
-              <a:t>Avec –C 100</a:t>
-            </a:r>
-            <a:endParaRPr lang="fr-FR" dirty="0"/>
-          </a:p>
-          <a:p>
-            <a:pPr lvl="1"/>
-            <a:r>
-              <a:rPr lang="fr-FR" dirty="0"/>
-              <a:t>Précision: </a:t>
-            </a:r>
-            <a:r>
-              <a:rPr lang="fr-FR" dirty="0"/>
-              <a:t>92.79</a:t>
-            </a:r>
-            <a:r>
-              <a:rPr lang="fr-FR" dirty="0" smtClean="0"/>
-              <a:t>%</a:t>
-            </a:r>
-            <a:endParaRPr lang="fr-FR" dirty="0"/>
-          </a:p>
-          <a:p>
-            <a:pPr lvl="1"/>
-            <a:r>
-              <a:rPr lang="fr-FR" dirty="0" err="1"/>
-              <a:t>Recall</a:t>
-            </a:r>
-            <a:r>
-              <a:rPr lang="fr-FR" dirty="0"/>
-              <a:t>: </a:t>
-            </a:r>
-            <a:r>
-              <a:rPr lang="fr-FR" dirty="0"/>
-              <a:t>65.73</a:t>
-            </a:r>
-            <a:r>
-              <a:rPr lang="fr-FR" dirty="0" smtClean="0"/>
-              <a:t>%</a:t>
-            </a:r>
-            <a:endParaRPr lang="fr-FR" dirty="0"/>
-          </a:p>
-          <a:p>
-            <a:r>
-              <a:rPr lang="fr-FR" dirty="0" smtClean="0"/>
-              <a:t>+ meilleurs résultats car moins perturbés par les répétitions</a:t>
-            </a:r>
-          </a:p>
-          <a:p>
-            <a:r>
-              <a:rPr lang="fr-FR" dirty="0" smtClean="0"/>
-              <a:t>- ne trouve plus les variants dans les répétitions.</a:t>
-            </a:r>
-          </a:p>
-          <a:p>
-            <a:pPr lvl="1"/>
-            <a:endParaRPr lang="fr-FR" dirty="0"/>
-          </a:p>
-        </p:txBody>
-      </p:sp>
-    </p:spTree>
-    <p:extLst>
-      <p:ext uri="{BB962C8B-B14F-4D97-AF65-F5344CB8AC3E}">
-        <p14:creationId xmlns:p14="http://schemas.microsoft.com/office/powerpoint/2010/main" val="3312428568"/>
-      </p:ext>
-    </p:extLst>
-  </p:cSld>
-  <p:clrMapOvr>
-    <a:masterClrMapping/>
-  </p:clrMapOvr>
+  <p:timing>
+    <p:tnLst>
+      <p:par>
+        <p:cTn xmlns:p14="http://schemas.microsoft.com/office/powerpoint/2010/main" id="1" dur="indefinite" restart="never" nodeType="tmRoot"/>
+      </p:par>
+    </p:tnLst>
+  </p:timing>
 </p:sld>
 </file>
 
@@ -4113,7 +4144,15 @@
           <a:p>
             <a:r>
               <a:rPr lang="fr-FR" dirty="0" smtClean="0"/>
-              <a:t>Q22 – Limitation nb SNPS proches</a:t>
+              <a:t>Q22 </a:t>
+            </a:r>
+            <a:r>
+              <a:rPr lang="fr-FR" dirty="0" smtClean="0"/>
+              <a:t>&amp; </a:t>
+            </a:r>
+            <a:r>
+              <a:rPr lang="fr-FR" dirty="0" smtClean="0"/>
+              <a:t>24</a:t>
             </a:r>
             <a:endParaRPr lang="fr-FR" dirty="0"/>
           </a:p>
@@ -4136,66 +4175,127 @@
           <a:p>
             <a:r>
               <a:rPr lang="fr-FR" dirty="0" smtClean="0"/>
-              <a:t>En recherchant 40 </a:t>
+              <a:t>-C </a:t>
+            </a:r>
+            <a:r>
+              <a:rPr lang="fr-FR" i="1" dirty="0" smtClean="0"/>
+              <a:t>n</a:t>
+            </a:r>
+            <a:r>
+              <a:rPr lang="fr-FR" dirty="0" smtClean="0"/>
+              <a:t>: élimine les </a:t>
+            </a:r>
+            <a:r>
+              <a:rPr lang="fr-FR" i="1" dirty="0" err="1" smtClean="0"/>
+              <a:t>k</a:t>
             </a:r>
             <a:r>
               <a:rPr lang="fr-FR" dirty="0" err="1" smtClean="0"/>
-              <a:t>SNPs</a:t>
-            </a:r>
-            <a:r>
-              <a:rPr lang="fr-FR" dirty="0" smtClean="0"/>
-              <a:t> proches par </a:t>
-            </a:r>
+              <a:t>mers</a:t>
+            </a:r>
+            <a:r>
+              <a:rPr lang="fr-FR" dirty="0" smtClean="0"/>
+              <a:t> vus plus de </a:t>
+            </a:r>
+            <a:r>
+              <a:rPr lang="fr-FR" i="1" dirty="0" smtClean="0"/>
+              <a:t>n </a:t>
+            </a:r>
+            <a:r>
+              <a:rPr lang="fr-FR" dirty="0" smtClean="0"/>
+              <a:t>fois</a:t>
+            </a:r>
+          </a:p>
+          <a:p>
+            <a:r>
+              <a:rPr lang="fr-FR" dirty="0" smtClean="0"/>
+              <a:t>Sans –C 100:</a:t>
+            </a:r>
+          </a:p>
+          <a:p>
+            <a:pPr lvl="1"/>
+            <a:r>
+              <a:rPr lang="fr-FR" dirty="0" smtClean="0"/>
+              <a:t>Précision: </a:t>
+            </a:r>
+            <a:r>
+              <a:rPr lang="fr-FR" dirty="0"/>
+              <a:t>92.61</a:t>
+            </a:r>
+            <a:r>
+              <a:rPr lang="fr-FR" dirty="0" smtClean="0"/>
+              <a:t>%</a:t>
+            </a:r>
+          </a:p>
+          <a:p>
+            <a:pPr lvl="1"/>
             <a:r>
               <a:rPr lang="fr-FR" dirty="0" err="1" smtClean="0"/>
-              <a:t>bubble</a:t>
-            </a:r>
-            <a:r>
-              <a:rPr lang="fr-FR" dirty="0" smtClean="0"/>
-              <a:t>, </a:t>
-            </a:r>
-            <a:r>
-              <a:rPr lang="fr-FR" dirty="0" err="1" smtClean="0"/>
-              <a:t>discoSnp</a:t>
-            </a:r>
-            <a:r>
-              <a:rPr lang="fr-FR" dirty="0" smtClean="0"/>
-              <a:t>++ plante (bus </a:t>
-            </a:r>
-            <a:r>
-              <a:rPr lang="fr-FR" dirty="0" err="1" smtClean="0"/>
-              <a:t>error</a:t>
-            </a:r>
-            <a:r>
-              <a:rPr lang="fr-FR" dirty="0" smtClean="0"/>
-              <a:t>). </a:t>
-            </a:r>
-          </a:p>
-          <a:p>
-            <a:r>
-              <a:rPr lang="fr-FR" dirty="0" smtClean="0"/>
-              <a:t>D</a:t>
-            </a:r>
-            <a:r>
-              <a:rPr lang="fr-FR" dirty="0" smtClean="0"/>
-              <a:t>û à une « pile de </a:t>
-            </a:r>
-            <a:r>
-              <a:rPr lang="fr-FR" dirty="0" err="1" smtClean="0"/>
-              <a:t>récursion</a:t>
-            </a:r>
-            <a:r>
-              <a:rPr lang="fr-FR" dirty="0" smtClean="0"/>
-              <a:t> » trop grosse. C’est une des limitations pratiques actuelles de </a:t>
-            </a:r>
-            <a:r>
-              <a:rPr lang="fr-FR" dirty="0" err="1" smtClean="0"/>
-              <a:t>discoSnp</a:t>
-            </a:r>
-            <a:r>
-              <a:rPr lang="fr-FR" dirty="0" smtClean="0"/>
-              <a:t>++</a:t>
-            </a:r>
+              <a:t>Recall</a:t>
+            </a:r>
+            <a:r>
+              <a:rPr lang="fr-FR" dirty="0" smtClean="0"/>
+              <a:t>: </a:t>
+            </a:r>
+            <a:r>
+              <a:rPr lang="fr-FR" dirty="0"/>
+              <a:t>65.73</a:t>
+            </a:r>
+            <a:r>
+              <a:rPr lang="fr-FR" dirty="0" smtClean="0"/>
+              <a:t>%</a:t>
+            </a:r>
+            <a:endParaRPr lang="fr-FR" dirty="0"/>
+          </a:p>
+          <a:p>
+            <a:r>
+              <a:rPr lang="fr-FR" dirty="0" smtClean="0"/>
+              <a:t>Avec –C 100</a:t>
+            </a:r>
+            <a:endParaRPr lang="fr-FR" dirty="0"/>
+          </a:p>
+          <a:p>
+            <a:pPr lvl="1"/>
+            <a:r>
+              <a:rPr lang="fr-FR" dirty="0"/>
+              <a:t>Précision: 92.79</a:t>
+            </a:r>
+            <a:r>
+              <a:rPr lang="fr-FR" dirty="0" smtClean="0"/>
+              <a:t>%</a:t>
+            </a:r>
+            <a:endParaRPr lang="fr-FR" dirty="0"/>
+          </a:p>
+          <a:p>
+            <a:pPr lvl="1"/>
+            <a:r>
+              <a:rPr lang="fr-FR" dirty="0" err="1"/>
+              <a:t>Recall</a:t>
+            </a:r>
+            <a:r>
+              <a:rPr lang="fr-FR" dirty="0"/>
+              <a:t>: 65.73</a:t>
+            </a:r>
+            <a:r>
+              <a:rPr lang="fr-FR" dirty="0" smtClean="0"/>
+              <a:t>%</a:t>
+            </a:r>
+            <a:endParaRPr lang="fr-FR" dirty="0"/>
+          </a:p>
+          <a:p>
+            <a:r>
+              <a:rPr lang="fr-FR" dirty="0" smtClean="0"/>
+              <a:t>+ meilleurs résultats car moins perturbés par les répétitions</a:t>
+            </a:r>
+          </a:p>
+          <a:p>
+            <a:r>
+              <a:rPr lang="fr-FR" dirty="0" smtClean="0"/>
+              <a:t>- ne trouve plus les variants dans les répétitions.</a:t>
+            </a:r>
+          </a:p>
+          <a:p>
+            <a:pPr lvl="1"/>
             <a:endParaRPr lang="fr-FR" dirty="0"/>
           </a:p>
         </p:txBody>
@@ -4203,13 +4303,20 @@
     </p:spTree>
     <p:extLst>
       <p:ext uri="{BB962C8B-B14F-4D97-AF65-F5344CB8AC3E}">
-        <p14:creationId xmlns:p14="http://schemas.microsoft.com/office/powerpoint/2010/main" val="1923156641"/>
+        <p14:creationId xmlns:p14="http://schemas.microsoft.com/office/powerpoint/2010/main" val="3312428568"/>
       </p:ext>
     </p:extLst>
   </p:cSld>
   <p:clrMapOvr>
     <a:masterClrMapping/>
   </p:clrMapOvr>
+  <p:timing>
+    <p:tnLst>
+      <p:par>
+        <p:cTn xmlns:p14="http://schemas.microsoft.com/office/powerpoint/2010/main" id="1" dur="indefinite" restart="never" nodeType="tmRoot"/>
+      </p:par>
+    </p:tnLst>
+  </p:timing>
 </p:sld>
 </file>
 
@@ -4247,7 +4354,152 @@
           <a:p>
             <a:r>
               <a:rPr lang="fr-FR" dirty="0" smtClean="0"/>
-              <a:t>Q23 – </a:t>
+              <a:t>Q25 </a:t>
+            </a:r>
+            <a:r>
+              <a:rPr lang="fr-FR" dirty="0" smtClean="0"/>
+              <a:t>– Limitation nb SNPS proches</a:t>
+            </a:r>
+            <a:endParaRPr lang="fr-FR" dirty="0"/>
+          </a:p>
+        </p:txBody>
+      </p:sp>
+      <p:sp>
+        <p:nvSpPr>
+          <p:cNvPr id="3" name="Espace réservé du contenu 2"/>
+          <p:cNvSpPr>
+            <a:spLocks noGrp="1"/>
+          </p:cNvSpPr>
+          <p:nvPr>
+            <p:ph idx="1"/>
+          </p:nvPr>
+        </p:nvSpPr>
+        <p:spPr/>
+        <p:txBody>
+          <a:bodyPr/>
+          <a:lstStyle/>
+          <a:p>
+            <a:r>
+              <a:rPr lang="fr-FR" dirty="0" smtClean="0"/>
+              <a:t>En recherchant 40 </a:t>
+            </a:r>
+            <a:r>
+              <a:rPr lang="fr-FR" dirty="0" err="1" smtClean="0"/>
+              <a:t>SNPs</a:t>
+            </a:r>
+            <a:r>
+              <a:rPr lang="fr-FR" dirty="0" smtClean="0"/>
+              <a:t> proches par </a:t>
+            </a:r>
+            <a:r>
+              <a:rPr lang="fr-FR" dirty="0" err="1" smtClean="0"/>
+              <a:t>bubble</a:t>
+            </a:r>
+            <a:r>
+              <a:rPr lang="fr-FR" dirty="0" smtClean="0"/>
+              <a:t>, </a:t>
+            </a:r>
+            <a:r>
+              <a:rPr lang="fr-FR" dirty="0" err="1" smtClean="0"/>
+              <a:t>discoSnp</a:t>
+            </a:r>
+            <a:r>
+              <a:rPr lang="fr-FR" dirty="0" smtClean="0"/>
+              <a:t>++ plante (bus </a:t>
+            </a:r>
+            <a:r>
+              <a:rPr lang="fr-FR" dirty="0" err="1" smtClean="0"/>
+              <a:t>error</a:t>
+            </a:r>
+            <a:r>
+              <a:rPr lang="fr-FR" dirty="0" smtClean="0"/>
+              <a:t>). </a:t>
+            </a:r>
+          </a:p>
+          <a:p>
+            <a:r>
+              <a:rPr lang="fr-FR" dirty="0" smtClean="0"/>
+              <a:t>Dû à une « pile de </a:t>
+            </a:r>
+            <a:r>
+              <a:rPr lang="fr-FR" dirty="0" err="1" smtClean="0"/>
+              <a:t>récursion</a:t>
+            </a:r>
+            <a:r>
+              <a:rPr lang="fr-FR" dirty="0" smtClean="0"/>
+              <a:t> » trop grosse. C’est une des limitations pratiques actuelles de </a:t>
+            </a:r>
+            <a:r>
+              <a:rPr lang="fr-FR" dirty="0" err="1" smtClean="0"/>
+              <a:t>discoSnp</a:t>
+            </a:r>
+            <a:r>
+              <a:rPr lang="fr-FR" dirty="0" smtClean="0"/>
+              <a:t>++</a:t>
+            </a:r>
+            <a:endParaRPr lang="fr-FR" dirty="0"/>
+          </a:p>
+        </p:txBody>
+      </p:sp>
+    </p:spTree>
+    <p:extLst>
+      <p:ext uri="{BB962C8B-B14F-4D97-AF65-F5344CB8AC3E}">
+        <p14:creationId xmlns:p14="http://schemas.microsoft.com/office/powerpoint/2010/main" val="1923156641"/>
+      </p:ext>
+    </p:extLst>
+  </p:cSld>
+  <p:clrMapOvr>
+    <a:masterClrMapping/>
+  </p:clrMapOvr>
+  <p:timing>
+    <p:tnLst>
+      <p:par>
+        <p:cTn xmlns:p14="http://schemas.microsoft.com/office/powerpoint/2010/main" id="1" dur="indefinite" restart="never" nodeType="tmRoot"/>
+      </p:par>
+    </p:tnLst>
+  </p:timing>
+</p:sld>
+</file>
+
+<file path=ppt/slides/slide17.xml><?xml version="1.0" encoding="utf-8"?>
+<p:sld xmlns:a="http://schemas.openxmlformats.org/drawingml/2006/main" xmlns:r="http://schemas.openxmlformats.org/officeDocument/2006/relationships" xmlns:p="http://schemas.openxmlformats.org/presentationml/2006/main">
+  <p:cSld>
+    <p:spTree>
+      <p:nvGrpSpPr>
+        <p:cNvPr id="1" name=""/>
+        <p:cNvGrpSpPr/>
+        <p:nvPr/>
+      </p:nvGrpSpPr>
+      <p:grpSpPr>
+        <a:xfrm>
+          <a:off x="0" y="0"/>
+          <a:ext cx="0" cy="0"/>
+          <a:chOff x="0" y="0"/>
+          <a:chExt cx="0" cy="0"/>
+        </a:xfrm>
+      </p:grpSpPr>
+      <p:sp>
+        <p:nvSpPr>
+          <p:cNvPr id="2" name="Titre 1"/>
+          <p:cNvSpPr>
+            <a:spLocks noGrp="1"/>
+          </p:cNvSpPr>
+          <p:nvPr>
+            <p:ph type="title"/>
+          </p:nvPr>
+        </p:nvSpPr>
+        <p:spPr/>
+        <p:txBody>
+          <a:bodyPr/>
+          <a:lstStyle/>
+          <a:p>
+            <a:r>
+              <a:rPr lang="fr-FR" dirty="0" smtClean="0"/>
+              <a:t>Q26 </a:t>
+            </a:r>
+            <a:r>
+              <a:rPr lang="fr-FR" dirty="0" smtClean="0"/>
+              <a:t>– </a:t>
             </a:r>
             <a:r>
               <a:rPr lang="fr-FR" dirty="0" err="1" smtClean="0"/>
@@ -4363,10 +4615,17 @@
   <p:clrMapOvr>
     <a:masterClrMapping/>
   </p:clrMapOvr>
+  <p:timing>
+    <p:tnLst>
+      <p:par>
+        <p:cTn xmlns:p14="http://schemas.microsoft.com/office/powerpoint/2010/main" id="1" dur="indefinite" restart="never" nodeType="tmRoot"/>
+      </p:par>
+    </p:tnLst>
+  </p:timing>
 </p:sld>
 </file>
 
-<file path=ppt/slides/slide17.xml><?xml version="1.0" encoding="utf-8"?>
+<file path=ppt/slides/slide18.xml><?xml version="1.0" encoding="utf-8"?>
 <p:sld xmlns:a="http://schemas.openxmlformats.org/drawingml/2006/main" xmlns:r="http://schemas.openxmlformats.org/officeDocument/2006/relationships" xmlns:p="http://schemas.openxmlformats.org/presentationml/2006/main">
   <p:cSld>
     <p:spTree>
@@ -4400,7 +4659,11 @@
           <a:p>
             <a:r>
               <a:rPr lang="fr-FR" dirty="0" smtClean="0"/>
-              <a:t>Q23 – </a:t>
+              <a:t>Q26 </a:t>
+            </a:r>
+            <a:r>
+              <a:rPr lang="fr-FR" dirty="0" smtClean="0"/>
+              <a:t>– </a:t>
             </a:r>
             <a:r>
               <a:rPr lang="fr-FR" dirty="0" err="1" smtClean="0"/>
@@ -4526,7 +4789,7 @@
 </p:sld>
 </file>
 
-<file path=ppt/slides/slide18.xml><?xml version="1.0" encoding="utf-8"?>
+<file path=ppt/slides/slide19.xml><?xml version="1.0" encoding="utf-8"?>
 <p:sld xmlns:a="http://schemas.openxmlformats.org/drawingml/2006/main" xmlns:r="http://schemas.openxmlformats.org/officeDocument/2006/relationships" xmlns:p="http://schemas.openxmlformats.org/presentationml/2006/main">
   <p:cSld>
     <p:spTree>
@@ -4560,7 +4823,11 @@
           <a:p>
             <a:r>
               <a:rPr lang="fr-FR" dirty="0" smtClean="0"/>
-              <a:t>Q28 – limitation </a:t>
+              <a:t>Q31 </a:t>
+            </a:r>
+            <a:r>
+              <a:rPr lang="fr-FR" dirty="0" smtClean="0"/>
+              <a:t>– limitation </a:t>
             </a:r>
             <a:r>
               <a:rPr lang="fr-FR" dirty="0" err="1" smtClean="0"/>
@@ -4860,8 +5127,9 @@
             <a:pPr lvl="1"/>
             <a:r>
               <a:rPr lang="fr-FR" sz="1900" dirty="0" smtClean="0"/>
-              <a:t>Réutilisables</a:t>
-            </a:r>
+              <a:t>Réutilisable</a:t>
+            </a:r>
+            <a:endParaRPr lang="fr-FR" sz="1900" dirty="0" smtClean="0"/>
           </a:p>
           <a:p>
             <a:endParaRPr lang="fr-FR" sz="2300" dirty="0" smtClean="0"/>
@@ -4878,6 +5146,13 @@
   <p:clrMapOvr>
     <a:masterClrMapping/>
   </p:clrMapOvr>
+  <p:timing>
+    <p:tnLst>
+      <p:par>
+        <p:cTn xmlns:p14="http://schemas.microsoft.com/office/powerpoint/2010/main" id="1" dur="indefinite" restart="never" nodeType="tmRoot"/>
+      </p:par>
+    </p:tnLst>
+  </p:timing>
 </p:sld>
 </file>
 
@@ -5148,6 +5423,13 @@
   <p:clrMapOvr>
     <a:masterClrMapping/>
   </p:clrMapOvr>
+  <p:timing>
+    <p:tnLst>
+      <p:par>
+        <p:cTn xmlns:p14="http://schemas.microsoft.com/office/powerpoint/2010/main" id="1" dur="indefinite" restart="never" nodeType="tmRoot"/>
+      </p:par>
+    </p:tnLst>
+  </p:timing>
 </p:sld>
 </file>
 
@@ -5185,7 +5467,15 @@
           <a:p>
             <a:r>
               <a:rPr lang="fr-FR" dirty="0" smtClean="0"/>
-              <a:t>Q4 à Q7</a:t>
+              <a:t>Q5 </a:t>
+            </a:r>
+            <a:r>
+              <a:rPr lang="fr-FR" dirty="0" smtClean="0"/>
+              <a:t>à </a:t>
+            </a:r>
+            <a:r>
+              <a:rPr lang="fr-FR" dirty="0" smtClean="0"/>
+              <a:t>Q8</a:t>
             </a:r>
             <a:endParaRPr lang="fr-FR" dirty="0"/>
           </a:p>
@@ -5208,7 +5498,11 @@
           <a:p>
             <a:r>
               <a:rPr lang="fr-FR" dirty="0" smtClean="0"/>
-              <a:t>Q4: SNP isolé = SNP distant d’au moins </a:t>
+              <a:t>Q5: </a:t>
+            </a:r>
+            <a:r>
+              <a:rPr lang="fr-FR" dirty="0" smtClean="0"/>
+              <a:t>SNP isolé = SNP distant d’au moins </a:t>
             </a:r>
             <a:r>
               <a:rPr lang="fr-FR" i="1" dirty="0" smtClean="0"/>
@@ -5221,16 +5515,12 @@
           </a:p>
           <a:p>
             <a:r>
-              <a:rPr lang="fr-FR" dirty="0"/>
-              <a:t>Q5: </a:t>
-            </a:r>
-            <a:r>
-              <a:rPr lang="fr-FR" dirty="0" smtClean="0"/>
-              <a:t>-P permet d’autoriser 2, 3, 4… SNP proches dans une m</a:t>
-            </a:r>
-            <a:r>
-              <a:rPr lang="fr-FR" dirty="0" smtClean="0"/>
-              <a:t>ême </a:t>
+              <a:rPr lang="fr-FR" dirty="0" smtClean="0"/>
+              <a:t>Q6: </a:t>
+            </a:r>
+            <a:r>
+              <a:rPr lang="fr-FR" dirty="0" smtClean="0"/>
+              <a:t>-P permet d’autoriser 2, 3, 4… SNP proches dans une même </a:t>
             </a:r>
             <a:r>
               <a:rPr lang="fr-FR" dirty="0" err="1" smtClean="0"/>
@@ -5290,8 +5580,9 @@
           <a:p>
             <a:r>
               <a:rPr lang="fr-FR" dirty="0" smtClean="0"/>
-              <a:t>Q6:</a:t>
-            </a:r>
+              <a:t>Q7:</a:t>
+            </a:r>
+            <a:endParaRPr lang="fr-FR" dirty="0" smtClean="0"/>
           </a:p>
           <a:p>
             <a:pPr lvl="1"/>
@@ -5320,8 +5611,9 @@
           <a:p>
             <a:r>
               <a:rPr lang="fr-FR" dirty="0" smtClean="0"/>
-              <a:t>Q7:</a:t>
-            </a:r>
+              <a:t>Q8:</a:t>
+            </a:r>
+            <a:endParaRPr lang="fr-FR" dirty="0" smtClean="0"/>
           </a:p>
           <a:p>
             <a:pPr lvl="1"/>
@@ -5358,6 +5650,13 @@
   <p:clrMapOvr>
     <a:masterClrMapping/>
   </p:clrMapOvr>
+  <p:timing>
+    <p:tnLst>
+      <p:par>
+        <p:cTn xmlns:p14="http://schemas.microsoft.com/office/powerpoint/2010/main" id="1" dur="indefinite" restart="never" nodeType="tmRoot"/>
+      </p:par>
+    </p:tnLst>
+  </p:timing>
 </p:sld>
 </file>
 
@@ -5395,7 +5694,11 @@
           <a:p>
             <a:r>
               <a:rPr lang="fr-FR" dirty="0" smtClean="0"/>
-              <a:t>Q8 – Réutilisation du graphe</a:t>
+              <a:t>Q10 </a:t>
+            </a:r>
+            <a:r>
+              <a:rPr lang="fr-FR" dirty="0" smtClean="0"/>
+              <a:t>– Réutilisation du graphe</a:t>
             </a:r>
             <a:endParaRPr lang="fr-FR" dirty="0"/>
           </a:p>
@@ -5418,7 +5721,15 @@
           <a:p>
             <a:r>
               <a:rPr lang="fr-FR" dirty="0" smtClean="0"/>
-              <a:t>Certaines options (en particulier -D et -P)  ne modifie pas le graphe de de </a:t>
+              <a:t>Certaines options (en particulier -D et -P)  ne </a:t>
+            </a:r>
+            <a:r>
+              <a:rPr lang="fr-FR" dirty="0" smtClean="0"/>
+              <a:t>modifient </a:t>
+            </a:r>
+            <a:r>
+              <a:rPr lang="fr-FR" dirty="0" smtClean="0"/>
+              <a:t>pas le graphe de de </a:t>
             </a:r>
             <a:r>
               <a:rPr lang="fr-FR" dirty="0" err="1" smtClean="0"/>
@@ -5426,7 +5737,15 @@
             </a:r>
             <a:r>
               <a:rPr lang="fr-FR" dirty="0" smtClean="0"/>
-              <a:t>. Il n’est donc pas nécessaire de le recalculer si ces options sont modifiées. </a:t>
+              <a:t>. Il n’est donc pas nécessaire de le recalculer </a:t>
+            </a:r>
+            <a:r>
+              <a:rPr lang="fr-FR" dirty="0" smtClean="0"/>
+              <a:t>si seulement ces options </a:t>
+            </a:r>
+            <a:r>
+              <a:rPr lang="fr-FR" dirty="0" smtClean="0"/>
+              <a:t>sont modifiées. </a:t>
             </a:r>
           </a:p>
           <a:p>
@@ -5448,11 +5767,7 @@
             </a:r>
             <a:r>
               <a:rPr lang="fr-FR" dirty="0" smtClean="0"/>
-              <a:t> a déjà été crée avec le m</a:t>
-            </a:r>
-            <a:r>
-              <a:rPr lang="fr-FR" dirty="0" smtClean="0"/>
-              <a:t>ême </a:t>
+              <a:t> a déjà été crée avec le même </a:t>
             </a:r>
             <a:r>
               <a:rPr lang="fr-FR" dirty="0" err="1" smtClean="0"/>
@@ -5478,6 +5793,13 @@
   <p:clrMapOvr>
     <a:masterClrMapping/>
   </p:clrMapOvr>
+  <p:timing>
+    <p:tnLst>
+      <p:par>
+        <p:cTn xmlns:p14="http://schemas.microsoft.com/office/powerpoint/2010/main" id="1" dur="indefinite" restart="never" nodeType="tmRoot"/>
+      </p:par>
+    </p:tnLst>
+  </p:timing>
 </p:sld>
 </file>
 
@@ -5515,7 +5837,11 @@
           <a:p>
             <a:r>
               <a:rPr lang="fr-FR" dirty="0" smtClean="0"/>
-              <a:t>Q9 – Insertions / Délétions</a:t>
+              <a:t>Q11 </a:t>
+            </a:r>
+            <a:r>
+              <a:rPr lang="fr-FR" dirty="0" smtClean="0"/>
+              <a:t>– Insertions / Délétions</a:t>
             </a:r>
             <a:endParaRPr lang="fr-FR" dirty="0"/>
           </a:p>
@@ -5625,6 +5951,13 @@
   <p:clrMapOvr>
     <a:masterClrMapping/>
   </p:clrMapOvr>
+  <p:timing>
+    <p:tnLst>
+      <p:par>
+        <p:cTn xmlns:p14="http://schemas.microsoft.com/office/powerpoint/2010/main" id="1" dur="indefinite" restart="never" nodeType="tmRoot"/>
+      </p:par>
+    </p:tnLst>
+  </p:timing>
 </p:sld>
 </file>
 
@@ -5662,7 +5995,11 @@
           <a:p>
             <a:r>
               <a:rPr lang="fr-FR" dirty="0" smtClean="0"/>
-              <a:t>Q10 – extensions	</a:t>
+              <a:t>Q12 </a:t>
+            </a:r>
+            <a:r>
+              <a:rPr lang="fr-FR" dirty="0" smtClean="0"/>
+              <a:t>– extensions	</a:t>
             </a:r>
             <a:endParaRPr lang="fr-FR" dirty="0"/>
           </a:p>
@@ -5685,12 +6022,31 @@
           <a:p>
             <a:r>
               <a:rPr lang="fr-FR" dirty="0" smtClean="0"/>
-              <a:t>Ajouter l’option -</a:t>
+              <a:t>Ajouter l’option </a:t>
+            </a:r>
+            <a:r>
+              <a:rPr lang="fr-FR" dirty="0" smtClean="0"/>
+              <a:t>–</a:t>
             </a:r>
             <a:r>
               <a:rPr lang="fr-FR" dirty="0" err="1" smtClean="0"/>
               <a:t>T</a:t>
             </a:r>
+            <a:endParaRPr lang="fr-FR" dirty="0" smtClean="0"/>
+          </a:p>
+          <a:p>
+            <a:endParaRPr lang="fr-FR" dirty="0"/>
+          </a:p>
+          <a:p>
+            <a:r>
+              <a:rPr lang="fr-FR" dirty="0" smtClean="0"/>
+              <a:t>Voyez l’influence sur le temps d’exécution </a:t>
+            </a:r>
+          </a:p>
+          <a:p>
+            <a:endParaRPr lang="fr-FR" dirty="0"/>
+          </a:p>
+          <a:p>
             <a:endParaRPr lang="fr-FR" dirty="0"/>
           </a:p>
         </p:txBody>
@@ -5705,6 +6061,13 @@
   <p:clrMapOvr>
     <a:masterClrMapping/>
   </p:clrMapOvr>
+  <p:timing>
+    <p:tnLst>
+      <p:par>
+        <p:cTn xmlns:p14="http://schemas.microsoft.com/office/powerpoint/2010/main" id="1" dur="indefinite" restart="never" nodeType="tmRoot"/>
+      </p:par>
+    </p:tnLst>
+  </p:timing>
 </p:sld>
 </file>
 
@@ -5742,7 +6105,11 @@
           <a:p>
             <a:r>
               <a:rPr lang="fr-FR" dirty="0" smtClean="0"/>
-              <a:t>Q11 – cumul d’options</a:t>
+              <a:t>Q13 </a:t>
+            </a:r>
+            <a:r>
+              <a:rPr lang="fr-FR" dirty="0" smtClean="0"/>
+              <a:t>– cumul d’options</a:t>
             </a:r>
             <a:endParaRPr lang="fr-FR" dirty="0"/>
           </a:p>
@@ -5811,6 +6178,13 @@
   <p:clrMapOvr>
     <a:masterClrMapping/>
   </p:clrMapOvr>
+  <p:timing>
+    <p:tnLst>
+      <p:par>
+        <p:cTn xmlns:p14="http://schemas.microsoft.com/office/powerpoint/2010/main" id="1" dur="indefinite" restart="never" nodeType="tmRoot"/>
+      </p:par>
+    </p:tnLst>
+  </p:timing>
 </p:sld>
 </file>
 
@@ -5848,7 +6222,11 @@
           <a:p>
             <a:r>
               <a:rPr lang="fr-FR" dirty="0" smtClean="0"/>
-              <a:t>Q12 – Noms des fichiers</a:t>
+              <a:t>Q14 </a:t>
+            </a:r>
+            <a:r>
+              <a:rPr lang="fr-FR" dirty="0" smtClean="0"/>
+              <a:t>– Noms des fichiers</a:t>
             </a:r>
             <a:endParaRPr lang="fr-FR" dirty="0"/>
           </a:p>
@@ -5970,8 +6348,16 @@
           <a:p>
             <a:pPr lvl="1"/>
             <a:r>
-              <a:rPr lang="fr-FR" dirty="0" smtClean="0"/>
-              <a:t>Inclue les </a:t>
+              <a:rPr lang="fr-FR" dirty="0" err="1" smtClean="0"/>
+              <a:t>Withlow</a:t>
+            </a:r>
+            <a:r>
+              <a:rPr lang="fr-FR" dirty="0" smtClean="0"/>
+              <a:t>: Inclue </a:t>
+            </a:r>
+            <a:r>
+              <a:rPr lang="fr-FR" dirty="0" smtClean="0"/>
+              <a:t>les </a:t>
             </a:r>
             <a:r>
               <a:rPr lang="fr-FR" dirty="0" err="1" smtClean="0"/>
@@ -6005,6 +6391,13 @@
   <p:clrMapOvr>
     <a:masterClrMapping/>
   </p:clrMapOvr>
+  <p:timing>
+    <p:tnLst>
+      <p:par>
+        <p:cTn xmlns:p14="http://schemas.microsoft.com/office/powerpoint/2010/main" id="1" dur="indefinite" restart="never" nodeType="tmRoot"/>
+      </p:par>
+    </p:tnLst>
+  </p:timing>
 </p:sld>
 </file>
 
